--- a/Praesentation Datenbanken II.pptx
+++ b/Praesentation Datenbanken II.pptx
@@ -280,7 +280,7 @@
           <a:p>
             <a:fld id="{1B3F7136-9867-4768-B3E2-4C7E3C76D492}" type="datetimeFigureOut">
               <a:rPr lang="de-DE" smtClean="0"/>
-              <a:t>29.05.2012</a:t>
+              <a:t>30.05.2012</a:t>
             </a:fld>
             <a:endParaRPr lang="de-DE"/>
           </a:p>
@@ -3389,7 +3389,7 @@
           <a:p>
             <a:fld id="{B7D07FFA-516B-4FA5-AF3F-60C3F91DD746}" type="datetimeFigureOut">
               <a:rPr lang="de-DE" smtClean="0"/>
-              <a:t>29.05.2012</a:t>
+              <a:t>30.05.2012</a:t>
             </a:fld>
             <a:endParaRPr lang="de-DE"/>
           </a:p>
@@ -3674,7 +3674,7 @@
           <a:p>
             <a:fld id="{B7D07FFA-516B-4FA5-AF3F-60C3F91DD746}" type="datetimeFigureOut">
               <a:rPr lang="de-DE" smtClean="0"/>
-              <a:t>29.05.2012</a:t>
+              <a:t>30.05.2012</a:t>
             </a:fld>
             <a:endParaRPr lang="de-DE"/>
           </a:p>
@@ -3849,7 +3849,7 @@
           <a:p>
             <a:fld id="{B7D07FFA-516B-4FA5-AF3F-60C3F91DD746}" type="datetimeFigureOut">
               <a:rPr lang="de-DE" smtClean="0"/>
-              <a:t>29.05.2012</a:t>
+              <a:t>30.05.2012</a:t>
             </a:fld>
             <a:endParaRPr lang="de-DE"/>
           </a:p>
@@ -4092,7 +4092,7 @@
           <a:p>
             <a:fld id="{B7D07FFA-516B-4FA5-AF3F-60C3F91DD746}" type="datetimeFigureOut">
               <a:rPr lang="de-DE" smtClean="0"/>
-              <a:t>29.05.2012</a:t>
+              <a:t>30.05.2012</a:t>
             </a:fld>
             <a:endParaRPr lang="de-DE"/>
           </a:p>
@@ -4294,7 +4294,7 @@
           <a:p>
             <a:fld id="{B7D07FFA-516B-4FA5-AF3F-60C3F91DD746}" type="datetimeFigureOut">
               <a:rPr lang="de-DE" smtClean="0"/>
-              <a:t>29.05.2012</a:t>
+              <a:t>30.05.2012</a:t>
             </a:fld>
             <a:endParaRPr lang="de-DE"/>
           </a:p>
@@ -4537,7 +4537,7 @@
           <a:p>
             <a:fld id="{B7D07FFA-516B-4FA5-AF3F-60C3F91DD746}" type="datetimeFigureOut">
               <a:rPr lang="de-DE" smtClean="0"/>
-              <a:t>29.05.2012</a:t>
+              <a:t>30.05.2012</a:t>
             </a:fld>
             <a:endParaRPr lang="de-DE"/>
           </a:p>
@@ -4847,7 +4847,7 @@
           <a:p>
             <a:fld id="{B7D07FFA-516B-4FA5-AF3F-60C3F91DD746}" type="datetimeFigureOut">
               <a:rPr lang="de-DE" smtClean="0"/>
-              <a:t>29.05.2012</a:t>
+              <a:t>30.05.2012</a:t>
             </a:fld>
             <a:endParaRPr lang="de-DE"/>
           </a:p>
@@ -5290,7 +5290,7 @@
           <a:p>
             <a:fld id="{B7D07FFA-516B-4FA5-AF3F-60C3F91DD746}" type="datetimeFigureOut">
               <a:rPr lang="de-DE" smtClean="0"/>
-              <a:t>29.05.2012</a:t>
+              <a:t>30.05.2012</a:t>
             </a:fld>
             <a:endParaRPr lang="de-DE"/>
           </a:p>
@@ -5403,7 +5403,7 @@
           <a:p>
             <a:fld id="{B7D07FFA-516B-4FA5-AF3F-60C3F91DD746}" type="datetimeFigureOut">
               <a:rPr lang="de-DE" smtClean="0"/>
-              <a:t>29.05.2012</a:t>
+              <a:t>30.05.2012</a:t>
             </a:fld>
             <a:endParaRPr lang="de-DE"/>
           </a:p>
@@ -5493,7 +5493,7 @@
           <a:p>
             <a:fld id="{B7D07FFA-516B-4FA5-AF3F-60C3F91DD746}" type="datetimeFigureOut">
               <a:rPr lang="de-DE" smtClean="0"/>
-              <a:t>29.05.2012</a:t>
+              <a:t>30.05.2012</a:t>
             </a:fld>
             <a:endParaRPr lang="de-DE"/>
           </a:p>
@@ -5778,7 +5778,7 @@
           <a:p>
             <a:fld id="{B7D07FFA-516B-4FA5-AF3F-60C3F91DD746}" type="datetimeFigureOut">
               <a:rPr lang="de-DE" smtClean="0"/>
-              <a:t>29.05.2012</a:t>
+              <a:t>30.05.2012</a:t>
             </a:fld>
             <a:endParaRPr lang="de-DE"/>
           </a:p>
@@ -5943,7 +5943,7 @@
           <a:p>
             <a:fld id="{B7D07FFA-516B-4FA5-AF3F-60C3F91DD746}" type="datetimeFigureOut">
               <a:rPr lang="de-DE" smtClean="0"/>
-              <a:t>29.05.2012</a:t>
+              <a:t>30.05.2012</a:t>
             </a:fld>
             <a:endParaRPr lang="de-DE"/>
           </a:p>
@@ -6134,7 +6134,7 @@
           <a:p>
             <a:fld id="{B7D07FFA-516B-4FA5-AF3F-60C3F91DD746}" type="datetimeFigureOut">
               <a:rPr lang="de-DE" smtClean="0"/>
-              <a:t>29.05.2012</a:t>
+              <a:t>30.05.2012</a:t>
             </a:fld>
             <a:endParaRPr lang="de-DE"/>
           </a:p>
@@ -6790,7 +6790,7 @@
           <a:p>
             <a:fld id="{B7D07FFA-516B-4FA5-AF3F-60C3F91DD746}" type="datetimeFigureOut">
               <a:rPr lang="de-DE" smtClean="0"/>
-              <a:t>29.05.2012</a:t>
+              <a:t>30.05.2012</a:t>
             </a:fld>
             <a:endParaRPr lang="de-DE"/>
           </a:p>
@@ -6965,7 +6965,7 @@
           <a:p>
             <a:fld id="{B7D07FFA-516B-4FA5-AF3F-60C3F91DD746}" type="datetimeFigureOut">
               <a:rPr lang="de-DE" smtClean="0"/>
-              <a:t>29.05.2012</a:t>
+              <a:t>30.05.2012</a:t>
             </a:fld>
             <a:endParaRPr lang="de-DE"/>
           </a:p>
@@ -7206,7 +7206,7 @@
           <a:p>
             <a:fld id="{B7D07FFA-516B-4FA5-AF3F-60C3F91DD746}" type="datetimeFigureOut">
               <a:rPr lang="de-DE" smtClean="0"/>
-              <a:t>29.05.2012</a:t>
+              <a:t>30.05.2012</a:t>
             </a:fld>
             <a:endParaRPr lang="de-DE"/>
           </a:p>
@@ -7319,7 +7319,7 @@
           <a:p>
             <a:fld id="{B7D07FFA-516B-4FA5-AF3F-60C3F91DD746}" type="datetimeFigureOut">
               <a:rPr lang="de-DE" smtClean="0"/>
-              <a:t>29.05.2012</a:t>
+              <a:t>30.05.2012</a:t>
             </a:fld>
             <a:endParaRPr lang="de-DE"/>
           </a:p>
@@ -7858,7 +7858,7 @@
           <a:p>
             <a:fld id="{B7D07FFA-516B-4FA5-AF3F-60C3F91DD746}" type="datetimeFigureOut">
               <a:rPr lang="de-DE" smtClean="0"/>
-              <a:t>29.05.2012</a:t>
+              <a:t>30.05.2012</a:t>
             </a:fld>
             <a:endParaRPr lang="de-DE"/>
           </a:p>
@@ -7971,7 +7971,7 @@
           <a:p>
             <a:fld id="{B7D07FFA-516B-4FA5-AF3F-60C3F91DD746}" type="datetimeFigureOut">
               <a:rPr lang="de-DE" smtClean="0"/>
-              <a:t>29.05.2012</a:t>
+              <a:t>30.05.2012</a:t>
             </a:fld>
             <a:endParaRPr lang="de-DE"/>
           </a:p>
@@ -8061,7 +8061,7 @@
           <a:p>
             <a:fld id="{B7D07FFA-516B-4FA5-AF3F-60C3F91DD746}" type="datetimeFigureOut">
               <a:rPr lang="de-DE" smtClean="0"/>
-              <a:t>29.05.2012</a:t>
+              <a:t>30.05.2012</a:t>
             </a:fld>
             <a:endParaRPr lang="de-DE"/>
           </a:p>
@@ -10712,7 +10712,7 @@
           <a:p>
             <a:fld id="{B7D07FFA-516B-4FA5-AF3F-60C3F91DD746}" type="datetimeFigureOut">
               <a:rPr lang="de-DE" smtClean="0"/>
-              <a:t>29.05.2012</a:t>
+              <a:t>30.05.2012</a:t>
             </a:fld>
             <a:endParaRPr lang="de-DE"/>
           </a:p>
@@ -13924,7 +13924,7 @@
           <a:p>
             <a:fld id="{B7D07FFA-516B-4FA5-AF3F-60C3F91DD746}" type="datetimeFigureOut">
               <a:rPr lang="de-DE" smtClean="0"/>
-              <a:t>29.05.2012</a:t>
+              <a:t>30.05.2012</a:t>
             </a:fld>
             <a:endParaRPr lang="de-DE"/>
           </a:p>
@@ -16746,7 +16746,7 @@
           <a:p>
             <a:fld id="{B7D07FFA-516B-4FA5-AF3F-60C3F91DD746}" type="datetimeFigureOut">
               <a:rPr lang="de-DE" smtClean="0"/>
-              <a:t>29.05.2012</a:t>
+              <a:t>30.05.2012</a:t>
             </a:fld>
             <a:endParaRPr lang="de-DE"/>
           </a:p>
@@ -37145,7 +37145,7 @@
           <a:p>
             <a:fld id="{B7D07FFA-516B-4FA5-AF3F-60C3F91DD746}" type="datetimeFigureOut">
               <a:rPr lang="de-DE" smtClean="0"/>
-              <a:t>29.05.2012</a:t>
+              <a:t>30.05.2012</a:t>
             </a:fld>
             <a:endParaRPr lang="de-DE"/>
           </a:p>
@@ -37917,7 +37917,6 @@
               <a:rPr lang="de-DE" dirty="0" smtClean="0"/>
               <a:t>…</a:t>
             </a:r>
-            <a:endParaRPr lang="de-DE" dirty="0" smtClean="0"/>
           </a:p>
         </p:txBody>
       </p:sp>
@@ -39406,11 +39405,11 @@
             </a:pPr>
             <a:r>
               <a:rPr lang="de-DE" dirty="0" smtClean="0"/>
-              <a:t>≈ 1.100 Zeilen Java (+ Kommentare</a:t>
+              <a:t>≈ 1.100 Zeilen Java (+ Kommentare, Leerzeilen, </a:t>
             </a:r>
             <a:r>
-              <a:rPr lang="de-DE" smtClean="0"/>
-              <a:t>, Leerzeilen, …)</a:t>
+              <a:rPr lang="de-DE" dirty="0" smtClean="0"/>
+              <a:t>…)</a:t>
             </a:r>
             <a:endParaRPr lang="de-DE" dirty="0" smtClean="0"/>
           </a:p>
@@ -39420,7 +39419,13 @@
               <a:rPr lang="de-DE" dirty="0" smtClean="0">
                 <a:sym typeface="Wingdings" pitchFamily="2" charset="2"/>
               </a:rPr>
-              <a:t>Fehlen ja nur noch die Inhalte!</a:t>
+              <a:t>1 Tag: Anzeigen, Einfügen und </a:t>
+            </a:r>
+            <a:r>
+              <a:rPr lang="de-DE" smtClean="0">
+                <a:sym typeface="Wingdings" pitchFamily="2" charset="2"/>
+              </a:rPr>
+              <a:t>Verändern von Daten</a:t>
             </a:r>
             <a:endParaRPr lang="de-DE" dirty="0" smtClean="0"/>
           </a:p>

--- a/Praesentation Datenbanken II.pptx
+++ b/Praesentation Datenbanken II.pptx
@@ -280,7 +280,7 @@
           <a:p>
             <a:fld id="{1B3F7136-9867-4768-B3E2-4C7E3C76D492}" type="datetimeFigureOut">
               <a:rPr lang="de-DE" smtClean="0"/>
-              <a:t>30.05.2012</a:t>
+              <a:t>14.06.2012</a:t>
             </a:fld>
             <a:endParaRPr lang="de-DE"/>
           </a:p>
@@ -3389,7 +3389,7 @@
           <a:p>
             <a:fld id="{B7D07FFA-516B-4FA5-AF3F-60C3F91DD746}" type="datetimeFigureOut">
               <a:rPr lang="de-DE" smtClean="0"/>
-              <a:t>30.05.2012</a:t>
+              <a:t>14.06.2012</a:t>
             </a:fld>
             <a:endParaRPr lang="de-DE"/>
           </a:p>
@@ -3674,7 +3674,7 @@
           <a:p>
             <a:fld id="{B7D07FFA-516B-4FA5-AF3F-60C3F91DD746}" type="datetimeFigureOut">
               <a:rPr lang="de-DE" smtClean="0"/>
-              <a:t>30.05.2012</a:t>
+              <a:t>14.06.2012</a:t>
             </a:fld>
             <a:endParaRPr lang="de-DE"/>
           </a:p>
@@ -3849,7 +3849,7 @@
           <a:p>
             <a:fld id="{B7D07FFA-516B-4FA5-AF3F-60C3F91DD746}" type="datetimeFigureOut">
               <a:rPr lang="de-DE" smtClean="0"/>
-              <a:t>30.05.2012</a:t>
+              <a:t>14.06.2012</a:t>
             </a:fld>
             <a:endParaRPr lang="de-DE"/>
           </a:p>
@@ -4092,7 +4092,7 @@
           <a:p>
             <a:fld id="{B7D07FFA-516B-4FA5-AF3F-60C3F91DD746}" type="datetimeFigureOut">
               <a:rPr lang="de-DE" smtClean="0"/>
-              <a:t>30.05.2012</a:t>
+              <a:t>14.06.2012</a:t>
             </a:fld>
             <a:endParaRPr lang="de-DE"/>
           </a:p>
@@ -4294,7 +4294,7 @@
           <a:p>
             <a:fld id="{B7D07FFA-516B-4FA5-AF3F-60C3F91DD746}" type="datetimeFigureOut">
               <a:rPr lang="de-DE" smtClean="0"/>
-              <a:t>30.05.2012</a:t>
+              <a:t>14.06.2012</a:t>
             </a:fld>
             <a:endParaRPr lang="de-DE"/>
           </a:p>
@@ -4537,7 +4537,7 @@
           <a:p>
             <a:fld id="{B7D07FFA-516B-4FA5-AF3F-60C3F91DD746}" type="datetimeFigureOut">
               <a:rPr lang="de-DE" smtClean="0"/>
-              <a:t>30.05.2012</a:t>
+              <a:t>14.06.2012</a:t>
             </a:fld>
             <a:endParaRPr lang="de-DE"/>
           </a:p>
@@ -4847,7 +4847,7 @@
           <a:p>
             <a:fld id="{B7D07FFA-516B-4FA5-AF3F-60C3F91DD746}" type="datetimeFigureOut">
               <a:rPr lang="de-DE" smtClean="0"/>
-              <a:t>30.05.2012</a:t>
+              <a:t>14.06.2012</a:t>
             </a:fld>
             <a:endParaRPr lang="de-DE"/>
           </a:p>
@@ -5290,7 +5290,7 @@
           <a:p>
             <a:fld id="{B7D07FFA-516B-4FA5-AF3F-60C3F91DD746}" type="datetimeFigureOut">
               <a:rPr lang="de-DE" smtClean="0"/>
-              <a:t>30.05.2012</a:t>
+              <a:t>14.06.2012</a:t>
             </a:fld>
             <a:endParaRPr lang="de-DE"/>
           </a:p>
@@ -5403,7 +5403,7 @@
           <a:p>
             <a:fld id="{B7D07FFA-516B-4FA5-AF3F-60C3F91DD746}" type="datetimeFigureOut">
               <a:rPr lang="de-DE" smtClean="0"/>
-              <a:t>30.05.2012</a:t>
+              <a:t>14.06.2012</a:t>
             </a:fld>
             <a:endParaRPr lang="de-DE"/>
           </a:p>
@@ -5493,7 +5493,7 @@
           <a:p>
             <a:fld id="{B7D07FFA-516B-4FA5-AF3F-60C3F91DD746}" type="datetimeFigureOut">
               <a:rPr lang="de-DE" smtClean="0"/>
-              <a:t>30.05.2012</a:t>
+              <a:t>14.06.2012</a:t>
             </a:fld>
             <a:endParaRPr lang="de-DE"/>
           </a:p>
@@ -5778,7 +5778,7 @@
           <a:p>
             <a:fld id="{B7D07FFA-516B-4FA5-AF3F-60C3F91DD746}" type="datetimeFigureOut">
               <a:rPr lang="de-DE" smtClean="0"/>
-              <a:t>30.05.2012</a:t>
+              <a:t>14.06.2012</a:t>
             </a:fld>
             <a:endParaRPr lang="de-DE"/>
           </a:p>
@@ -5943,7 +5943,7 @@
           <a:p>
             <a:fld id="{B7D07FFA-516B-4FA5-AF3F-60C3F91DD746}" type="datetimeFigureOut">
               <a:rPr lang="de-DE" smtClean="0"/>
-              <a:t>30.05.2012</a:t>
+              <a:t>14.06.2012</a:t>
             </a:fld>
             <a:endParaRPr lang="de-DE"/>
           </a:p>
@@ -6134,7 +6134,7 @@
           <a:p>
             <a:fld id="{B7D07FFA-516B-4FA5-AF3F-60C3F91DD746}" type="datetimeFigureOut">
               <a:rPr lang="de-DE" smtClean="0"/>
-              <a:t>30.05.2012</a:t>
+              <a:t>14.06.2012</a:t>
             </a:fld>
             <a:endParaRPr lang="de-DE"/>
           </a:p>
@@ -6790,7 +6790,7 @@
           <a:p>
             <a:fld id="{B7D07FFA-516B-4FA5-AF3F-60C3F91DD746}" type="datetimeFigureOut">
               <a:rPr lang="de-DE" smtClean="0"/>
-              <a:t>30.05.2012</a:t>
+              <a:t>14.06.2012</a:t>
             </a:fld>
             <a:endParaRPr lang="de-DE"/>
           </a:p>
@@ -6965,7 +6965,7 @@
           <a:p>
             <a:fld id="{B7D07FFA-516B-4FA5-AF3F-60C3F91DD746}" type="datetimeFigureOut">
               <a:rPr lang="de-DE" smtClean="0"/>
-              <a:t>30.05.2012</a:t>
+              <a:t>14.06.2012</a:t>
             </a:fld>
             <a:endParaRPr lang="de-DE"/>
           </a:p>
@@ -7206,7 +7206,7 @@
           <a:p>
             <a:fld id="{B7D07FFA-516B-4FA5-AF3F-60C3F91DD746}" type="datetimeFigureOut">
               <a:rPr lang="de-DE" smtClean="0"/>
-              <a:t>30.05.2012</a:t>
+              <a:t>14.06.2012</a:t>
             </a:fld>
             <a:endParaRPr lang="de-DE"/>
           </a:p>
@@ -7319,7 +7319,7 @@
           <a:p>
             <a:fld id="{B7D07FFA-516B-4FA5-AF3F-60C3F91DD746}" type="datetimeFigureOut">
               <a:rPr lang="de-DE" smtClean="0"/>
-              <a:t>30.05.2012</a:t>
+              <a:t>14.06.2012</a:t>
             </a:fld>
             <a:endParaRPr lang="de-DE"/>
           </a:p>
@@ -7858,7 +7858,7 @@
           <a:p>
             <a:fld id="{B7D07FFA-516B-4FA5-AF3F-60C3F91DD746}" type="datetimeFigureOut">
               <a:rPr lang="de-DE" smtClean="0"/>
-              <a:t>30.05.2012</a:t>
+              <a:t>14.06.2012</a:t>
             </a:fld>
             <a:endParaRPr lang="de-DE"/>
           </a:p>
@@ -7971,7 +7971,7 @@
           <a:p>
             <a:fld id="{B7D07FFA-516B-4FA5-AF3F-60C3F91DD746}" type="datetimeFigureOut">
               <a:rPr lang="de-DE" smtClean="0"/>
-              <a:t>30.05.2012</a:t>
+              <a:t>14.06.2012</a:t>
             </a:fld>
             <a:endParaRPr lang="de-DE"/>
           </a:p>
@@ -8061,7 +8061,7 @@
           <a:p>
             <a:fld id="{B7D07FFA-516B-4FA5-AF3F-60C3F91DD746}" type="datetimeFigureOut">
               <a:rPr lang="de-DE" smtClean="0"/>
-              <a:t>30.05.2012</a:t>
+              <a:t>14.06.2012</a:t>
             </a:fld>
             <a:endParaRPr lang="de-DE"/>
           </a:p>
@@ -10712,7 +10712,7 @@
           <a:p>
             <a:fld id="{B7D07FFA-516B-4FA5-AF3F-60C3F91DD746}" type="datetimeFigureOut">
               <a:rPr lang="de-DE" smtClean="0"/>
-              <a:t>30.05.2012</a:t>
+              <a:t>14.06.2012</a:t>
             </a:fld>
             <a:endParaRPr lang="de-DE"/>
           </a:p>
@@ -13924,7 +13924,7 @@
           <a:p>
             <a:fld id="{B7D07FFA-516B-4FA5-AF3F-60C3F91DD746}" type="datetimeFigureOut">
               <a:rPr lang="de-DE" smtClean="0"/>
-              <a:t>30.05.2012</a:t>
+              <a:t>14.06.2012</a:t>
             </a:fld>
             <a:endParaRPr lang="de-DE"/>
           </a:p>
@@ -16746,7 +16746,7 @@
           <a:p>
             <a:fld id="{B7D07FFA-516B-4FA5-AF3F-60C3F91DD746}" type="datetimeFigureOut">
               <a:rPr lang="de-DE" smtClean="0"/>
-              <a:t>30.05.2012</a:t>
+              <a:t>14.06.2012</a:t>
             </a:fld>
             <a:endParaRPr lang="de-DE"/>
           </a:p>
@@ -37145,7 +37145,7 @@
           <a:p>
             <a:fld id="{B7D07FFA-516B-4FA5-AF3F-60C3F91DD746}" type="datetimeFigureOut">
               <a:rPr lang="de-DE" smtClean="0"/>
-              <a:t>30.05.2012</a:t>
+              <a:t>14.06.2012</a:t>
             </a:fld>
             <a:endParaRPr lang="de-DE"/>
           </a:p>
@@ -38078,11 +38078,38 @@
             <a:pPr lvl="2"/>
             <a:r>
               <a:rPr lang="de-DE" dirty="0" smtClean="0"/>
-              <a:t>Logik, um Datenbank </a:t>
+              <a:t>Logik, um Datenbank zu aktualisieren</a:t>
+            </a:r>
+          </a:p>
+          <a:p>
+            <a:pPr lvl="3"/>
+            <a:r>
+              <a:rPr lang="de-DE" dirty="0" smtClean="0"/>
+              <a:t>(</a:t>
             </a:r>
             <a:r>
               <a:rPr lang="de-DE" smtClean="0"/>
-              <a:t>zu aktualisieren</a:t>
+              <a:t>eigentliche Abfragen </a:t>
+            </a:r>
+            <a:r>
+              <a:rPr lang="de-DE" dirty="0" smtClean="0"/>
+              <a:t>über die Klassen </a:t>
+            </a:r>
+            <a:r>
+              <a:rPr lang="de-DE" dirty="0" err="1" smtClean="0"/>
+              <a:t>GenericTable</a:t>
+            </a:r>
+            <a:r>
+              <a:rPr lang="de-DE" dirty="0" smtClean="0"/>
+              <a:t> bzw. </a:t>
+            </a:r>
+            <a:r>
+              <a:rPr lang="de-DE" dirty="0" err="1" smtClean="0"/>
+              <a:t>UserTable</a:t>
+            </a:r>
+            <a:r>
+              <a:rPr lang="de-DE" dirty="0" smtClean="0"/>
+              <a:t> realisiert)</a:t>
             </a:r>
             <a:endParaRPr lang="de-DE" dirty="0"/>
           </a:p>
@@ -39384,7 +39411,9 @@
         </p:nvSpPr>
         <p:spPr/>
         <p:txBody>
-          <a:bodyPr/>
+          <a:bodyPr>
+            <a:normAutofit/>
+          </a:bodyPr>
           <a:lstStyle/>
           <a:p>
             <a:r>
@@ -39405,13 +39434,8 @@
             </a:pPr>
             <a:r>
               <a:rPr lang="de-DE" dirty="0" smtClean="0"/>
-              <a:t>≈ 1.100 Zeilen Java (+ Kommentare, Leerzeilen, </a:t>
+              <a:t>≈ 1.100 Zeilen Java (+ Kommentare, Leerzeilen, …)</a:t>
             </a:r>
-            <a:r>
-              <a:rPr lang="de-DE" dirty="0" smtClean="0"/>
-              <a:t>…)</a:t>
-            </a:r>
-            <a:endParaRPr lang="de-DE" dirty="0" smtClean="0"/>
           </a:p>
           <a:p>
             <a:pPr lvl="1"/>
@@ -39419,15 +39443,41 @@
               <a:rPr lang="de-DE" dirty="0" smtClean="0">
                 <a:sym typeface="Wingdings" pitchFamily="2" charset="2"/>
               </a:rPr>
-              <a:t>1 Tag: Anzeigen, Einfügen und </a:t>
+              <a:t>1 Tag: Anzeigen, Einfügen und Verändern von </a:t>
             </a:r>
             <a:r>
-              <a:rPr lang="de-DE" smtClean="0">
+              <a:rPr lang="de-DE" dirty="0" smtClean="0">
                 <a:sym typeface="Wingdings" pitchFamily="2" charset="2"/>
               </a:rPr>
-              <a:t>Verändern von Daten</a:t>
+              <a:t>Daten</a:t>
             </a:r>
-            <a:endParaRPr lang="de-DE" dirty="0" smtClean="0"/>
+          </a:p>
+          <a:p>
+            <a:pPr lvl="1"/>
+            <a:r>
+              <a:rPr lang="de-DE" dirty="0">
+                <a:sym typeface="Wingdings" pitchFamily="2" charset="2"/>
+              </a:rPr>
+              <a:t>2</a:t>
+            </a:r>
+            <a:r>
+              <a:rPr lang="de-DE" dirty="0" smtClean="0">
+                <a:sym typeface="Wingdings" pitchFamily="2" charset="2"/>
+              </a:rPr>
+              <a:t> Tage: Rechte-/Benutzerverwaltung</a:t>
+            </a:r>
+            <a:r>
+              <a:rPr lang="de-DE" dirty="0">
+                <a:sym typeface="Wingdings" pitchFamily="2" charset="2"/>
+              </a:rPr>
+              <a:t> </a:t>
+            </a:r>
+            <a:r>
+              <a:rPr lang="de-DE" dirty="0" smtClean="0">
+                <a:sym typeface="Wingdings" pitchFamily="2" charset="2"/>
+              </a:rPr>
+              <a:t>mit Rollen</a:t>
+            </a:r>
           </a:p>
         </p:txBody>
       </p:sp>

--- a/Praesentation Datenbanken II.pptx
+++ b/Praesentation Datenbanken II.pptx
@@ -6,7 +6,7 @@
     <p:sldMasterId id="2147483696" r:id="rId2"/>
   </p:sldMasterIdLst>
   <p:notesMasterIdLst>
-    <p:notesMasterId r:id="rId24"/>
+    <p:notesMasterId r:id="rId25"/>
   </p:notesMasterIdLst>
   <p:sldIdLst>
     <p:sldId id="256" r:id="rId3"/>
@@ -25,11 +25,12 @@
     <p:sldId id="275" r:id="rId16"/>
     <p:sldId id="261" r:id="rId17"/>
     <p:sldId id="260" r:id="rId18"/>
-    <p:sldId id="262" r:id="rId19"/>
-    <p:sldId id="276" r:id="rId20"/>
-    <p:sldId id="271" r:id="rId21"/>
-    <p:sldId id="279" r:id="rId22"/>
-    <p:sldId id="269" r:id="rId23"/>
+    <p:sldId id="282" r:id="rId19"/>
+    <p:sldId id="262" r:id="rId20"/>
+    <p:sldId id="276" r:id="rId21"/>
+    <p:sldId id="271" r:id="rId22"/>
+    <p:sldId id="279" r:id="rId23"/>
+    <p:sldId id="269" r:id="rId24"/>
   </p:sldIdLst>
   <p:sldSz cx="9144000" cy="6858000" type="screen4x3"/>
   <p:notesSz cx="6858000" cy="9144000"/>
@@ -173,6 +174,7 @@
         <p14:section name="Benutzerverwaltung" id="{FCA5C650-FF3C-47BB-846A-D105EDC69B26}">
           <p14:sldIdLst>
             <p14:sldId id="260"/>
+            <p14:sldId id="282"/>
             <p14:sldId id="262"/>
           </p14:sldIdLst>
         </p14:section>
@@ -39030,7 +39032,7 @@
         <p:spPr/>
         <p:txBody>
           <a:bodyPr>
-            <a:normAutofit/>
+            <a:normAutofit fontScale="92500" lnSpcReduction="10000"/>
           </a:bodyPr>
           <a:lstStyle/>
           <a:p>
@@ -39049,46 +39051,74 @@
           <a:p>
             <a:pPr lvl="1"/>
             <a:r>
-              <a:rPr lang="de-DE" dirty="0" err="1" smtClean="0"/>
-              <a:t>viewer</a:t>
-            </a:r>
-            <a:r>
               <a:rPr lang="de-DE" dirty="0" smtClean="0"/>
-              <a:t> – nur Lesen</a:t>
+              <a:t>lesen – </a:t>
+            </a:r>
+            <a:r>
+              <a:rPr lang="de-DE" dirty="0" smtClean="0"/>
+              <a:t>nur Lesen</a:t>
             </a:r>
           </a:p>
           <a:p>
             <a:pPr lvl="1"/>
             <a:r>
-              <a:rPr lang="de-DE" dirty="0" err="1" smtClean="0"/>
-              <a:t>editor</a:t>
-            </a:r>
-            <a:r>
               <a:rPr lang="de-DE" dirty="0" smtClean="0"/>
-              <a:t> – Lesen und Schreiben</a:t>
+              <a:t>schreiben – </a:t>
+            </a:r>
+            <a:r>
+              <a:rPr lang="de-DE" dirty="0" smtClean="0"/>
+              <a:t>Lesen und Schreiben</a:t>
             </a:r>
           </a:p>
           <a:p>
             <a:pPr lvl="1"/>
             <a:r>
               <a:rPr lang="de-DE" dirty="0" err="1" smtClean="0"/>
-              <a:t>manager</a:t>
+              <a:t>db_owner</a:t>
             </a:r>
             <a:r>
               <a:rPr lang="de-DE" dirty="0" smtClean="0"/>
-              <a:t> – Lesen, Schreiben</a:t>
-            </a:r>
-            <a:r>
-              <a:rPr lang="de-DE" smtClean="0"/>
-              <a:t>, Löschen</a:t>
+              <a:t> – </a:t>
+            </a:r>
+            <a:r>
+              <a:rPr lang="de-DE" dirty="0" smtClean="0"/>
+              <a:t>Lesen, Schreiben, </a:t>
+            </a:r>
+            <a:r>
+              <a:rPr lang="de-DE" dirty="0" smtClean="0"/>
+              <a:t>Löschen, Datenbankstruktur verändern</a:t>
             </a:r>
             <a:endParaRPr lang="de-DE" dirty="0" smtClean="0"/>
           </a:p>
           <a:p>
             <a:r>
               <a:rPr lang="de-DE" dirty="0" smtClean="0"/>
-              <a:t>Anlegen neuer Benutzer – Serverrecht, keine von uns neu definierte Rolle</a:t>
-            </a:r>
+              <a:t>Anlegen neuer Benutzer – Serverrecht, keine von uns neu definierte </a:t>
+            </a:r>
+            <a:r>
+              <a:rPr lang="de-DE" dirty="0" smtClean="0"/>
+              <a:t>Rolle</a:t>
+            </a:r>
+          </a:p>
+          <a:p>
+            <a:pPr lvl="1"/>
+            <a:r>
+              <a:rPr lang="de-DE" dirty="0" err="1" smtClean="0"/>
+              <a:t>db</a:t>
+            </a:r>
+            <a:r>
+              <a:rPr lang="de-DE" dirty="0" err="1" smtClean="0"/>
+              <a:t>_owner</a:t>
+            </a:r>
+            <a:r>
+              <a:rPr lang="de-DE" dirty="0" smtClean="0"/>
+              <a:t> erhält automatisch </a:t>
+            </a:r>
+            <a:r>
+              <a:rPr lang="de-DE" dirty="0" err="1" smtClean="0"/>
+              <a:t>sysadmin</a:t>
+            </a:r>
+            <a:endParaRPr lang="de-DE" dirty="0" smtClean="0"/>
           </a:p>
         </p:txBody>
       </p:sp>
@@ -39156,7 +39186,14 @@
           <a:p>
             <a:r>
               <a:rPr lang="de-DE" dirty="0" smtClean="0"/>
-              <a:t>Benutzerverwaltung: Authentifizierung</a:t>
+              <a:t>Benutzerverwaltung:</a:t>
+            </a:r>
+            <a:br>
+              <a:rPr lang="de-DE" dirty="0" smtClean="0"/>
+            </a:br>
+            <a:r>
+              <a:rPr lang="de-DE" dirty="0" smtClean="0"/>
+              <a:t>Rechtevergabe</a:t>
             </a:r>
             <a:endParaRPr lang="de-DE" dirty="0"/>
           </a:p>
@@ -39174,67 +39211,108 @@
         </p:nvSpPr>
         <p:spPr/>
         <p:txBody>
-          <a:bodyPr/>
+          <a:bodyPr>
+            <a:normAutofit fontScale="92500" lnSpcReduction="10000"/>
+          </a:bodyPr>
           <a:lstStyle/>
           <a:p>
             <a:r>
               <a:rPr lang="de-DE" dirty="0" smtClean="0"/>
-              <a:t>Windows</a:t>
+              <a:t>CREATE LOGIN usw. unterstützt keine ? als Parameter</a:t>
             </a:r>
           </a:p>
           <a:p>
             <a:pPr lvl="1"/>
             <a:r>
-              <a:rPr lang="de-DE" dirty="0"/>
-              <a:t>a</a:t>
-            </a:r>
-            <a:r>
               <a:rPr lang="de-DE" dirty="0" smtClean="0"/>
-              <a:t>ktueller Benutzer wird angemeldet</a:t>
+              <a:t>Namen und Passwörter auf a-zA-Z0-9 beschränkt</a:t>
+            </a:r>
+          </a:p>
+          <a:p>
+            <a:r>
+              <a:rPr lang="de-DE" dirty="0" smtClean="0"/>
+              <a:t>Hinzufügen neuer Rechte (ähnlich löschen)</a:t>
             </a:r>
           </a:p>
           <a:p>
             <a:pPr lvl="1"/>
             <a:r>
               <a:rPr lang="de-DE" dirty="0"/>
-              <a:t>k</a:t>
-            </a:r>
-            <a:r>
-              <a:rPr lang="de-DE" dirty="0" smtClean="0"/>
-              <a:t>ein Passwort erforderlich</a:t>
-            </a:r>
+              <a:t>EXEC </a:t>
+            </a:r>
+            <a:r>
+              <a:rPr lang="de-DE" dirty="0" err="1"/>
+              <a:t>sp_addrolemember</a:t>
+            </a:r>
+            <a:r>
+              <a:rPr lang="de-DE" dirty="0"/>
+              <a:t> </a:t>
+            </a:r>
+            <a:r>
+              <a:rPr lang="de-DE" dirty="0" err="1"/>
+              <a:t>role</a:t>
+            </a:r>
+            <a:r>
+              <a:rPr lang="de-DE" dirty="0"/>
+              <a:t>, </a:t>
+            </a:r>
+            <a:r>
+              <a:rPr lang="de-DE" dirty="0" err="1" smtClean="0"/>
+              <a:t>user</a:t>
+            </a:r>
+            <a:endParaRPr lang="de-DE" dirty="0"/>
           </a:p>
           <a:p>
             <a:pPr lvl="1"/>
             <a:r>
               <a:rPr lang="de-DE" dirty="0" smtClean="0"/>
-              <a:t>Login-Bildschirm nur bei Fehlern</a:t>
-            </a:r>
-          </a:p>
-          <a:p>
+              <a:t>EXEC </a:t>
+            </a:r>
+            <a:r>
+              <a:rPr lang="de-DE" dirty="0" err="1"/>
+              <a:t>sp_addsrvrolemember</a:t>
+            </a:r>
+            <a:r>
+              <a:rPr lang="de-DE" dirty="0"/>
+              <a:t> </a:t>
+            </a:r>
+            <a:r>
+              <a:rPr lang="de-DE" dirty="0" err="1" smtClean="0"/>
+              <a:t>user</a:t>
+            </a:r>
             <a:r>
               <a:rPr lang="de-DE" dirty="0" smtClean="0"/>
-              <a:t>SQL-Server</a:t>
+              <a:t>, </a:t>
+            </a:r>
+            <a:r>
+              <a:rPr lang="de-DE" dirty="0" err="1" smtClean="0"/>
+              <a:t>role</a:t>
             </a:r>
           </a:p>
           <a:p>
             <a:pPr lvl="1"/>
             <a:r>
+              <a:rPr lang="de-DE" dirty="0" smtClean="0">
+                <a:sym typeface="Wingdings" pitchFamily="2" charset="2"/>
+              </a:rPr>
+              <a:t> </a:t>
+            </a:r>
+            <a:r>
+              <a:rPr lang="de-DE" dirty="0">
+                <a:sym typeface="Wingdings" pitchFamily="2" charset="2"/>
+              </a:rPr>
+              <a:t>f</a:t>
+            </a:r>
+            <a:r>
               <a:rPr lang="de-DE" dirty="0" smtClean="0"/>
-              <a:t>Login-Bildschirm</a:t>
+              <a:t>ast konsistent implementierbar</a:t>
             </a:r>
           </a:p>
           <a:p>
+            <a:pPr lvl="2"/>
             <a:r>
               <a:rPr lang="de-DE" dirty="0" smtClean="0"/>
-              <a:t>Konfigurierbar</a:t>
-            </a:r>
-          </a:p>
-          <a:p>
-            <a:pPr lvl="1"/>
-            <a:r>
-              <a:rPr lang="de-DE" dirty="0" smtClean="0"/>
-              <a:t>Eine oder beide Optionen aktivieren</a:t>
+              <a:t>ALTER (SERVER) ROLE … ADD MEMBER … ist erst ab SQL Server 2012 verfügbar</a:t>
             </a:r>
           </a:p>
         </p:txBody>
@@ -39242,28 +39320,13 @@
     </p:spTree>
     <p:extLst>
       <p:ext uri="{BB962C8B-B14F-4D97-AF65-F5344CB8AC3E}">
-        <p14:creationId xmlns:p14="http://schemas.microsoft.com/office/powerpoint/2010/main" val="3205305684"/>
+        <p14:creationId xmlns:p14="http://schemas.microsoft.com/office/powerpoint/2010/main" val="1858545811"/>
       </p:ext>
     </p:extLst>
   </p:cSld>
   <p:clrMapOvr>
     <a:masterClrMapping/>
   </p:clrMapOvr>
-  <mc:AlternateContent xmlns:mc="http://schemas.openxmlformats.org/markup-compatibility/2006" xmlns:p14="http://schemas.microsoft.com/office/powerpoint/2010/main">
-    <mc:Choice Requires="p14">
-      <p:transition spd="slow" p14:dur="2000"/>
-    </mc:Choice>
-    <mc:Fallback xmlns="">
-      <p:transition spd="slow"/>
-    </mc:Fallback>
-  </mc:AlternateContent>
-  <p:timing>
-    <p:tnLst>
-      <p:par>
-        <p:cTn id="1" dur="indefinite" restart="never" nodeType="tmRoot"/>
-      </p:par>
-    </p:tnLst>
-  </p:timing>
 </p:sld>
 </file>
 
@@ -39296,12 +39359,14 @@
         </p:nvSpPr>
         <p:spPr/>
         <p:txBody>
-          <a:bodyPr/>
+          <a:bodyPr>
+            <a:normAutofit fontScale="90000"/>
+          </a:bodyPr>
           <a:lstStyle/>
           <a:p>
             <a:r>
               <a:rPr lang="de-DE" dirty="0" smtClean="0"/>
-              <a:t>Bedienungsanleitung</a:t>
+              <a:t>Benutzerverwaltung: Authentifizierung</a:t>
             </a:r>
             <a:endParaRPr lang="de-DE" dirty="0"/>
           </a:p>
@@ -39324,22 +39389,84 @@
           <a:p>
             <a:r>
               <a:rPr lang="de-DE" dirty="0" smtClean="0"/>
-              <a:t>PDF und so?</a:t>
-            </a:r>
-            <a:endParaRPr lang="de-DE" dirty="0"/>
+              <a:t>Windows</a:t>
+            </a:r>
+          </a:p>
+          <a:p>
+            <a:pPr lvl="1"/>
+            <a:r>
+              <a:rPr lang="de-DE" dirty="0"/>
+              <a:t>a</a:t>
+            </a:r>
+            <a:r>
+              <a:rPr lang="de-DE" dirty="0" smtClean="0"/>
+              <a:t>ktueller Benutzer wird angemeldet</a:t>
+            </a:r>
+          </a:p>
+          <a:p>
+            <a:pPr lvl="1"/>
+            <a:r>
+              <a:rPr lang="de-DE" dirty="0"/>
+              <a:t>k</a:t>
+            </a:r>
+            <a:r>
+              <a:rPr lang="de-DE" dirty="0" smtClean="0"/>
+              <a:t>ein Passwort erforderlich</a:t>
+            </a:r>
+          </a:p>
+          <a:p>
+            <a:pPr lvl="1"/>
+            <a:r>
+              <a:rPr lang="de-DE" dirty="0" smtClean="0"/>
+              <a:t>Login-Bildschirm nur bei Fehlern</a:t>
+            </a:r>
+          </a:p>
+          <a:p>
+            <a:r>
+              <a:rPr lang="de-DE" dirty="0" smtClean="0"/>
+              <a:t>SQL-Server</a:t>
+            </a:r>
+          </a:p>
+          <a:p>
+            <a:pPr lvl="1"/>
+            <a:r>
+              <a:rPr lang="de-DE" dirty="0" smtClean="0"/>
+              <a:t>Login-Bildschirm</a:t>
+            </a:r>
+          </a:p>
+          <a:p>
+            <a:r>
+              <a:rPr lang="de-DE" dirty="0" smtClean="0"/>
+              <a:t>Konfigurierbar</a:t>
+            </a:r>
+          </a:p>
+          <a:p>
+            <a:pPr lvl="1"/>
+            <a:r>
+              <a:rPr lang="de-DE" dirty="0" smtClean="0"/>
+              <a:t>Eine oder beide Optionen aktivieren</a:t>
+            </a:r>
           </a:p>
         </p:txBody>
       </p:sp>
     </p:spTree>
     <p:extLst>
       <p:ext uri="{BB962C8B-B14F-4D97-AF65-F5344CB8AC3E}">
-        <p14:creationId xmlns:p14="http://schemas.microsoft.com/office/powerpoint/2010/main" val="1240992484"/>
+        <p14:creationId xmlns:p14="http://schemas.microsoft.com/office/powerpoint/2010/main" val="3205305684"/>
       </p:ext>
     </p:extLst>
   </p:cSld>
   <p:clrMapOvr>
     <a:masterClrMapping/>
   </p:clrMapOvr>
+  <mc:AlternateContent xmlns:mc="http://schemas.openxmlformats.org/markup-compatibility/2006" xmlns:p14="http://schemas.microsoft.com/office/powerpoint/2010/main">
+    <mc:Choice Requires="p14">
+      <p:transition spd="slow" p14:dur="2000"/>
+    </mc:Choice>
+    <mc:Fallback xmlns="">
+      <p:transition spd="slow"/>
+    </mc:Fallback>
+  </mc:AlternateContent>
   <p:timing>
     <p:tnLst>
       <p:par>
@@ -39379,21 +39506,12 @@
         </p:nvSpPr>
         <p:spPr/>
         <p:txBody>
-          <a:bodyPr>
-            <a:normAutofit fontScale="90000"/>
-          </a:bodyPr>
+          <a:bodyPr/>
           <a:lstStyle/>
           <a:p>
             <a:r>
               <a:rPr lang="de-DE" dirty="0" smtClean="0"/>
-              <a:t>Reflexion:</a:t>
-            </a:r>
-            <a:br>
-              <a:rPr lang="de-DE" dirty="0" smtClean="0"/>
-            </a:br>
-            <a:r>
-              <a:rPr lang="de-DE" dirty="0" smtClean="0"/>
-              <a:t>Zeit</a:t>
+              <a:t>Bedienungsanleitung</a:t>
             </a:r>
             <a:endParaRPr lang="de-DE" dirty="0"/>
           </a:p>
@@ -39411,94 +39529,27 @@
         </p:nvSpPr>
         <p:spPr/>
         <p:txBody>
-          <a:bodyPr>
-            <a:normAutofit/>
-          </a:bodyPr>
+          <a:bodyPr/>
           <a:lstStyle/>
           <a:p>
             <a:r>
               <a:rPr lang="de-DE" dirty="0" smtClean="0"/>
-              <a:t>Benötigte Zeit</a:t>
-            </a:r>
-          </a:p>
-          <a:p>
-            <a:pPr lvl="1"/>
-            <a:r>
-              <a:rPr lang="de-DE" dirty="0" smtClean="0"/>
-              <a:t>2 Tage: funktionierende Datenbank-anbindung, Migrationen, Aufbau der Fenster, Anmelden</a:t>
-            </a:r>
-          </a:p>
-          <a:p>
-            <a:pPr marL="896112" lvl="3" indent="0">
-              <a:buNone/>
-            </a:pPr>
-            <a:r>
-              <a:rPr lang="de-DE" dirty="0" smtClean="0"/>
-              <a:t>≈ 1.100 Zeilen Java (+ Kommentare, Leerzeilen, …)</a:t>
-            </a:r>
-          </a:p>
-          <a:p>
-            <a:pPr lvl="1"/>
-            <a:r>
-              <a:rPr lang="de-DE" dirty="0" smtClean="0">
-                <a:sym typeface="Wingdings" pitchFamily="2" charset="2"/>
-              </a:rPr>
-              <a:t>1 Tag: Anzeigen, Einfügen und Verändern von </a:t>
-            </a:r>
-            <a:r>
-              <a:rPr lang="de-DE" dirty="0" smtClean="0">
-                <a:sym typeface="Wingdings" pitchFamily="2" charset="2"/>
-              </a:rPr>
-              <a:t>Daten</a:t>
-            </a:r>
-          </a:p>
-          <a:p>
-            <a:pPr lvl="1"/>
-            <a:r>
-              <a:rPr lang="de-DE" dirty="0">
-                <a:sym typeface="Wingdings" pitchFamily="2" charset="2"/>
-              </a:rPr>
-              <a:t>2</a:t>
-            </a:r>
-            <a:r>
-              <a:rPr lang="de-DE" dirty="0" smtClean="0">
-                <a:sym typeface="Wingdings" pitchFamily="2" charset="2"/>
-              </a:rPr>
-              <a:t> Tage: Rechte-/Benutzerverwaltung</a:t>
-            </a:r>
-            <a:r>
-              <a:rPr lang="de-DE" dirty="0">
-                <a:sym typeface="Wingdings" pitchFamily="2" charset="2"/>
-              </a:rPr>
-              <a:t> </a:t>
-            </a:r>
-            <a:r>
-              <a:rPr lang="de-DE" dirty="0" smtClean="0">
-                <a:sym typeface="Wingdings" pitchFamily="2" charset="2"/>
-              </a:rPr>
-              <a:t>mit Rollen</a:t>
-            </a:r>
+              <a:t>PDF und so?</a:t>
+            </a:r>
+            <a:endParaRPr lang="de-DE" dirty="0"/>
           </a:p>
         </p:txBody>
       </p:sp>
     </p:spTree>
     <p:extLst>
       <p:ext uri="{BB962C8B-B14F-4D97-AF65-F5344CB8AC3E}">
-        <p14:creationId xmlns:p14="http://schemas.microsoft.com/office/powerpoint/2010/main" val="2511885983"/>
+        <p14:creationId xmlns:p14="http://schemas.microsoft.com/office/powerpoint/2010/main" val="1240992484"/>
       </p:ext>
     </p:extLst>
   </p:cSld>
   <p:clrMapOvr>
     <a:masterClrMapping/>
   </p:clrMapOvr>
-  <mc:AlternateContent xmlns:mc="http://schemas.openxmlformats.org/markup-compatibility/2006" xmlns:p14="http://schemas.microsoft.com/office/powerpoint/2010/main">
-    <mc:Choice Requires="p14">
-      <p:transition spd="slow" p14:dur="2000"/>
-    </mc:Choice>
-    <mc:Fallback xmlns="">
-      <p:transition spd="slow"/>
-    </mc:Fallback>
-  </mc:AlternateContent>
   <p:timing>
     <p:tnLst>
       <p:par>
@@ -39700,6 +39751,186 @@
             </a:br>
             <a:r>
               <a:rPr lang="de-DE" dirty="0" smtClean="0"/>
+              <a:t>Zeit</a:t>
+            </a:r>
+            <a:endParaRPr lang="de-DE" dirty="0"/>
+          </a:p>
+        </p:txBody>
+      </p:sp>
+      <p:sp>
+        <p:nvSpPr>
+          <p:cNvPr id="3" name="Inhaltsplatzhalter 2"/>
+          <p:cNvSpPr>
+            <a:spLocks noGrp="1"/>
+          </p:cNvSpPr>
+          <p:nvPr>
+            <p:ph idx="1"/>
+          </p:nvPr>
+        </p:nvSpPr>
+        <p:spPr/>
+        <p:txBody>
+          <a:bodyPr>
+            <a:normAutofit/>
+          </a:bodyPr>
+          <a:lstStyle/>
+          <a:p>
+            <a:r>
+              <a:rPr lang="de-DE" dirty="0" smtClean="0"/>
+              <a:t>Benötigte Zeit</a:t>
+            </a:r>
+          </a:p>
+          <a:p>
+            <a:pPr lvl="1"/>
+            <a:r>
+              <a:rPr lang="de-DE" dirty="0" smtClean="0"/>
+              <a:t>2 Tage: funktionierende Datenbank-anbindung, Migrationen, Aufbau der Fenster, Anmelden</a:t>
+            </a:r>
+          </a:p>
+          <a:p>
+            <a:pPr marL="896112" lvl="3" indent="0">
+              <a:buNone/>
+            </a:pPr>
+            <a:r>
+              <a:rPr lang="de-DE" dirty="0" smtClean="0"/>
+              <a:t>≈ 1.100 Zeilen Java (+ Kommentare, Leerzeilen, …)</a:t>
+            </a:r>
+          </a:p>
+          <a:p>
+            <a:pPr lvl="1"/>
+            <a:r>
+              <a:rPr lang="de-DE" dirty="0">
+                <a:sym typeface="Wingdings" pitchFamily="2" charset="2"/>
+              </a:rPr>
+              <a:t>3</a:t>
+            </a:r>
+            <a:r>
+              <a:rPr lang="de-DE" dirty="0" smtClean="0">
+                <a:sym typeface="Wingdings" pitchFamily="2" charset="2"/>
+              </a:rPr>
+              <a:t> Tage: </a:t>
+            </a:r>
+            <a:r>
+              <a:rPr lang="de-DE" dirty="0" smtClean="0">
+                <a:sym typeface="Wingdings" pitchFamily="2" charset="2"/>
+              </a:rPr>
+              <a:t>Anzeigen</a:t>
+            </a:r>
+            <a:r>
+              <a:rPr lang="de-DE" smtClean="0">
+                <a:sym typeface="Wingdings" pitchFamily="2" charset="2"/>
+              </a:rPr>
+              <a:t>, </a:t>
+            </a:r>
+            <a:r>
+              <a:rPr lang="de-DE" smtClean="0">
+                <a:sym typeface="Wingdings" pitchFamily="2" charset="2"/>
+              </a:rPr>
+              <a:t>Einfügen, Löschen und </a:t>
+            </a:r>
+            <a:r>
+              <a:rPr lang="de-DE" dirty="0" smtClean="0">
+                <a:sym typeface="Wingdings" pitchFamily="2" charset="2"/>
+              </a:rPr>
+              <a:t>Verändern von Daten</a:t>
+            </a:r>
+          </a:p>
+          <a:p>
+            <a:pPr lvl="1"/>
+            <a:r>
+              <a:rPr lang="de-DE" dirty="0">
+                <a:sym typeface="Wingdings" pitchFamily="2" charset="2"/>
+              </a:rPr>
+              <a:t>2</a:t>
+            </a:r>
+            <a:r>
+              <a:rPr lang="de-DE" dirty="0" smtClean="0">
+                <a:sym typeface="Wingdings" pitchFamily="2" charset="2"/>
+              </a:rPr>
+              <a:t> Tage: Rechte-/</a:t>
+            </a:r>
+            <a:r>
+              <a:rPr lang="de-DE" dirty="0" smtClean="0">
+                <a:sym typeface="Wingdings" pitchFamily="2" charset="2"/>
+              </a:rPr>
+              <a:t>Benutzerverwaltung</a:t>
+            </a:r>
+            <a:endParaRPr lang="de-DE" dirty="0" smtClean="0">
+              <a:sym typeface="Wingdings" pitchFamily="2" charset="2"/>
+            </a:endParaRPr>
+          </a:p>
+        </p:txBody>
+      </p:sp>
+    </p:spTree>
+    <p:extLst>
+      <p:ext uri="{BB962C8B-B14F-4D97-AF65-F5344CB8AC3E}">
+        <p14:creationId xmlns:p14="http://schemas.microsoft.com/office/powerpoint/2010/main" val="2511885983"/>
+      </p:ext>
+    </p:extLst>
+  </p:cSld>
+  <p:clrMapOvr>
+    <a:masterClrMapping/>
+  </p:clrMapOvr>
+  <mc:AlternateContent xmlns:mc="http://schemas.openxmlformats.org/markup-compatibility/2006" xmlns:p14="http://schemas.microsoft.com/office/powerpoint/2010/main">
+    <mc:Choice Requires="p14">
+      <p:transition spd="slow" p14:dur="2000"/>
+    </mc:Choice>
+    <mc:Fallback xmlns="">
+      <p:transition spd="slow"/>
+    </mc:Fallback>
+  </mc:AlternateContent>
+  <p:timing>
+    <p:tnLst>
+      <p:par>
+        <p:cTn id="1" dur="indefinite" restart="never" nodeType="tmRoot"/>
+      </p:par>
+    </p:tnLst>
+  </p:timing>
+</p:sld>
+</file>
+
+<file path=ppt/slides/slide21.xml><?xml version="1.0" encoding="utf-8"?>
+<p:sld xmlns:a="http://schemas.openxmlformats.org/drawingml/2006/main" xmlns:r="http://schemas.openxmlformats.org/officeDocument/2006/relationships" xmlns:p="http://schemas.openxmlformats.org/presentationml/2006/main">
+  <p:cSld>
+    <p:spTree>
+      <p:nvGrpSpPr>
+        <p:cNvPr id="1" name=""/>
+        <p:cNvGrpSpPr/>
+        <p:nvPr/>
+      </p:nvGrpSpPr>
+      <p:grpSpPr>
+        <a:xfrm>
+          <a:off x="0" y="0"/>
+          <a:ext cx="0" cy="0"/>
+          <a:chOff x="0" y="0"/>
+          <a:chExt cx="0" cy="0"/>
+        </a:xfrm>
+      </p:grpSpPr>
+      <p:sp>
+        <p:nvSpPr>
+          <p:cNvPr id="2" name="Titel 1"/>
+          <p:cNvSpPr>
+            <a:spLocks noGrp="1"/>
+          </p:cNvSpPr>
+          <p:nvPr>
+            <p:ph type="title"/>
+          </p:nvPr>
+        </p:nvSpPr>
+        <p:spPr/>
+        <p:txBody>
+          <a:bodyPr>
+            <a:normAutofit fontScale="90000"/>
+          </a:bodyPr>
+          <a:lstStyle/>
+          <a:p>
+            <a:r>
+              <a:rPr lang="de-DE" dirty="0" smtClean="0"/>
+              <a:t>Reflexion:</a:t>
+            </a:r>
+            <a:br>
+              <a:rPr lang="de-DE" dirty="0" smtClean="0"/>
+            </a:br>
+            <a:r>
+              <a:rPr lang="de-DE" dirty="0" smtClean="0"/>
               <a:t>Wiederverwendbarkeit</a:t>
             </a:r>
             <a:endParaRPr lang="de-DE" dirty="0"/>
@@ -39797,7 +40028,7 @@
 </p:sld>
 </file>
 
-<file path=ppt/slides/slide21.xml><?xml version="1.0" encoding="utf-8"?>
+<file path=ppt/slides/slide22.xml><?xml version="1.0" encoding="utf-8"?>
 <p:sld xmlns:a="http://schemas.openxmlformats.org/drawingml/2006/main" xmlns:r="http://schemas.openxmlformats.org/officeDocument/2006/relationships" xmlns:p="http://schemas.openxmlformats.org/presentationml/2006/main">
   <p:cSld>
     <p:spTree>
